--- a/TG2 - AdrianBlancoDominguez.pptx
+++ b/TG2 - AdrianBlancoDominguez.pptx
@@ -2,7 +2,7 @@
 <file path=ppt/presentation.xml><?xml version="1.0" encoding="utf-8"?>
 <p:presentation xmlns:a="http://schemas.openxmlformats.org/drawingml/2006/main" xmlns:r="http://schemas.openxmlformats.org/officeDocument/2006/relationships" xmlns:p="http://schemas.openxmlformats.org/presentationml/2006/main" saveSubsetFonts="1">
   <p:sldMasterIdLst>
-    <p:sldMasterId id="2147483728" r:id="rId1"/>
+    <p:sldMasterId id="2147483745" r:id="rId1"/>
   </p:sldMasterIdLst>
   <p:sldIdLst>
     <p:sldId id="256" r:id="rId2"/>
@@ -108,6 +108,11 @@
       </a:defRPr>
     </a:lvl9pPr>
   </p:defaultTextStyle>
+  <p:extLst>
+    <p:ext uri="{EFAFB233-063F-42B5-8137-9DF3F51BA10A}">
+      <p15:sldGuideLst xmlns:p15="http://schemas.microsoft.com/office/powerpoint/2012/main"/>
+    </p:ext>
+  </p:extLst>
 </p:presentation>
 </file>
 
@@ -299,7 +304,7 @@
           <a:p>
             <a:fld id="{3A38A0E5-08CD-4ED8-B9ED-04088CC346AA}" type="datetimeFigureOut">
               <a:rPr lang="es-ES" smtClean="0"/>
-              <a:t>01/04/2017</a:t>
+              <a:t>03/04/2017</a:t>
             </a:fld>
             <a:endParaRPr lang="es-ES"/>
           </a:p>
@@ -437,7 +442,7 @@
     </p:spTree>
     <p:extLst>
       <p:ext uri="{BB962C8B-B14F-4D97-AF65-F5344CB8AC3E}">
-        <p14:creationId xmlns:p14="http://schemas.microsoft.com/office/powerpoint/2010/main" val="247491237"/>
+        <p14:creationId xmlns:p14="http://schemas.microsoft.com/office/powerpoint/2010/main" val="1636310529"/>
       </p:ext>
     </p:extLst>
   </p:cSld>
@@ -637,7 +642,7 @@
           <a:p>
             <a:fld id="{3A38A0E5-08CD-4ED8-B9ED-04088CC346AA}" type="datetimeFigureOut">
               <a:rPr lang="es-ES" smtClean="0"/>
-              <a:t>01/04/2017</a:t>
+              <a:t>03/04/2017</a:t>
             </a:fld>
             <a:endParaRPr lang="es-ES"/>
           </a:p>
@@ -775,7 +780,7 @@
     </p:spTree>
     <p:extLst>
       <p:ext uri="{BB962C8B-B14F-4D97-AF65-F5344CB8AC3E}">
-        <p14:creationId xmlns:p14="http://schemas.microsoft.com/office/powerpoint/2010/main" val="3880850917"/>
+        <p14:creationId xmlns:p14="http://schemas.microsoft.com/office/powerpoint/2010/main" val="2998078003"/>
       </p:ext>
     </p:extLst>
   </p:cSld>
@@ -1038,7 +1043,7 @@
           <a:p>
             <a:fld id="{3A38A0E5-08CD-4ED8-B9ED-04088CC346AA}" type="datetimeFigureOut">
               <a:rPr lang="es-ES" smtClean="0"/>
-              <a:t>01/04/2017</a:t>
+              <a:t>03/04/2017</a:t>
             </a:fld>
             <a:endParaRPr lang="es-ES"/>
           </a:p>
@@ -1252,7 +1257,7 @@
     </p:spTree>
     <p:extLst>
       <p:ext uri="{BB962C8B-B14F-4D97-AF65-F5344CB8AC3E}">
-        <p14:creationId xmlns:p14="http://schemas.microsoft.com/office/powerpoint/2010/main" val="3715146553"/>
+        <p14:creationId xmlns:p14="http://schemas.microsoft.com/office/powerpoint/2010/main" val="1325745413"/>
       </p:ext>
     </p:extLst>
   </p:cSld>
@@ -1374,7 +1379,7 @@
           <a:p>
             <a:fld id="{3A38A0E5-08CD-4ED8-B9ED-04088CC346AA}" type="datetimeFigureOut">
               <a:rPr lang="es-ES" smtClean="0"/>
-              <a:t>01/04/2017</a:t>
+              <a:t>03/04/2017</a:t>
             </a:fld>
             <a:endParaRPr lang="es-ES"/>
           </a:p>
@@ -1512,7 +1517,7 @@
     </p:spTree>
     <p:extLst>
       <p:ext uri="{BB962C8B-B14F-4D97-AF65-F5344CB8AC3E}">
-        <p14:creationId xmlns:p14="http://schemas.microsoft.com/office/powerpoint/2010/main" val="3415385697"/>
+        <p14:creationId xmlns:p14="http://schemas.microsoft.com/office/powerpoint/2010/main" val="2100739423"/>
       </p:ext>
     </p:extLst>
   </p:cSld>
@@ -1694,7 +1699,7 @@
           <a:p>
             <a:fld id="{3A38A0E5-08CD-4ED8-B9ED-04088CC346AA}" type="datetimeFigureOut">
               <a:rPr lang="es-ES" smtClean="0"/>
-              <a:t>01/04/2017</a:t>
+              <a:t>03/04/2017</a:t>
             </a:fld>
             <a:endParaRPr lang="es-ES"/>
           </a:p>
@@ -1908,7 +1913,7 @@
     </p:spTree>
     <p:extLst>
       <p:ext uri="{BB962C8B-B14F-4D97-AF65-F5344CB8AC3E}">
-        <p14:creationId xmlns:p14="http://schemas.microsoft.com/office/powerpoint/2010/main" val="3116418789"/>
+        <p14:creationId xmlns:p14="http://schemas.microsoft.com/office/powerpoint/2010/main" val="1216627779"/>
       </p:ext>
     </p:extLst>
   </p:cSld>
@@ -2090,7 +2095,7 @@
           <a:p>
             <a:fld id="{3A38A0E5-08CD-4ED8-B9ED-04088CC346AA}" type="datetimeFigureOut">
               <a:rPr lang="es-ES" smtClean="0"/>
-              <a:t>01/04/2017</a:t>
+              <a:t>03/04/2017</a:t>
             </a:fld>
             <a:endParaRPr lang="es-ES"/>
           </a:p>
@@ -2228,7 +2233,7 @@
     </p:spTree>
     <p:extLst>
       <p:ext uri="{BB962C8B-B14F-4D97-AF65-F5344CB8AC3E}">
-        <p14:creationId xmlns:p14="http://schemas.microsoft.com/office/powerpoint/2010/main" val="1478856942"/>
+        <p14:creationId xmlns:p14="http://schemas.microsoft.com/office/powerpoint/2010/main" val="1757789281"/>
       </p:ext>
     </p:extLst>
   </p:cSld>
@@ -2347,7 +2352,7 @@
           <a:p>
             <a:fld id="{3A38A0E5-08CD-4ED8-B9ED-04088CC346AA}" type="datetimeFigureOut">
               <a:rPr lang="es-ES" smtClean="0"/>
-              <a:t>01/04/2017</a:t>
+              <a:t>03/04/2017</a:t>
             </a:fld>
             <a:endParaRPr lang="es-ES"/>
           </a:p>
@@ -2480,7 +2485,7 @@
     </p:spTree>
     <p:extLst>
       <p:ext uri="{BB962C8B-B14F-4D97-AF65-F5344CB8AC3E}">
-        <p14:creationId xmlns:p14="http://schemas.microsoft.com/office/powerpoint/2010/main" val="408396218"/>
+        <p14:creationId xmlns:p14="http://schemas.microsoft.com/office/powerpoint/2010/main" val="3351462948"/>
       </p:ext>
     </p:extLst>
   </p:cSld>
@@ -2609,7 +2614,7 @@
           <a:p>
             <a:fld id="{3A38A0E5-08CD-4ED8-B9ED-04088CC346AA}" type="datetimeFigureOut">
               <a:rPr lang="es-ES" smtClean="0"/>
-              <a:t>01/04/2017</a:t>
+              <a:t>03/04/2017</a:t>
             </a:fld>
             <a:endParaRPr lang="es-ES"/>
           </a:p>
@@ -2742,7 +2747,7 @@
     </p:spTree>
     <p:extLst>
       <p:ext uri="{BB962C8B-B14F-4D97-AF65-F5344CB8AC3E}">
-        <p14:creationId xmlns:p14="http://schemas.microsoft.com/office/powerpoint/2010/main" val="265624135"/>
+        <p14:creationId xmlns:p14="http://schemas.microsoft.com/office/powerpoint/2010/main" val="1453701484"/>
       </p:ext>
     </p:extLst>
   </p:cSld>
@@ -2871,7 +2876,7 @@
           <a:p>
             <a:fld id="{3A38A0E5-08CD-4ED8-B9ED-04088CC346AA}" type="datetimeFigureOut">
               <a:rPr lang="es-ES" smtClean="0"/>
-              <a:t>01/04/2017</a:t>
+              <a:t>03/04/2017</a:t>
             </a:fld>
             <a:endParaRPr lang="es-ES"/>
           </a:p>
@@ -3004,7 +3009,7 @@
     </p:spTree>
     <p:extLst>
       <p:ext uri="{BB962C8B-B14F-4D97-AF65-F5344CB8AC3E}">
-        <p14:creationId xmlns:p14="http://schemas.microsoft.com/office/powerpoint/2010/main" val="514859565"/>
+        <p14:creationId xmlns:p14="http://schemas.microsoft.com/office/powerpoint/2010/main" val="1949685524"/>
       </p:ext>
     </p:extLst>
   </p:cSld>
@@ -3200,7 +3205,7 @@
           <a:p>
             <a:fld id="{3A38A0E5-08CD-4ED8-B9ED-04088CC346AA}" type="datetimeFigureOut">
               <a:rPr lang="es-ES" smtClean="0"/>
-              <a:t>01/04/2017</a:t>
+              <a:t>03/04/2017</a:t>
             </a:fld>
             <a:endParaRPr lang="es-ES"/>
           </a:p>
@@ -3338,7 +3343,7 @@
     </p:spTree>
     <p:extLst>
       <p:ext uri="{BB962C8B-B14F-4D97-AF65-F5344CB8AC3E}">
-        <p14:creationId xmlns:p14="http://schemas.microsoft.com/office/powerpoint/2010/main" val="2533370850"/>
+        <p14:creationId xmlns:p14="http://schemas.microsoft.com/office/powerpoint/2010/main" val="759942518"/>
       </p:ext>
     </p:extLst>
   </p:cSld>
@@ -3523,7 +3528,7 @@
           <a:p>
             <a:fld id="{3A38A0E5-08CD-4ED8-B9ED-04088CC346AA}" type="datetimeFigureOut">
               <a:rPr lang="es-ES" smtClean="0"/>
-              <a:t>01/04/2017</a:t>
+              <a:t>03/04/2017</a:t>
             </a:fld>
             <a:endParaRPr lang="es-ES"/>
           </a:p>
@@ -3550,7 +3555,7 @@
       </p:sp>
       <p:sp>
         <p:nvSpPr>
-          <p:cNvPr id="12" name="Freeform 11"/>
+          <p:cNvPr id="10" name="Freeform 11"/>
           <p:cNvSpPr/>
           <p:nvPr/>
         </p:nvSpPr>
@@ -3632,7 +3637,7 @@
       </p:sp>
       <p:sp>
         <p:nvSpPr>
-          <p:cNvPr id="13" name="Slide Number Placeholder 5"/>
+          <p:cNvPr id="11" name="Slide Number Placeholder 5"/>
           <p:cNvSpPr>
             <a:spLocks noGrp="1"/>
           </p:cNvSpPr>
@@ -3661,7 +3666,7 @@
     </p:spTree>
     <p:extLst>
       <p:ext uri="{BB962C8B-B14F-4D97-AF65-F5344CB8AC3E}">
-        <p14:creationId xmlns:p14="http://schemas.microsoft.com/office/powerpoint/2010/main" val="3652188689"/>
+        <p14:creationId xmlns:p14="http://schemas.microsoft.com/office/powerpoint/2010/main" val="2708862664"/>
       </p:ext>
     </p:extLst>
   </p:cSld>
@@ -3980,7 +3985,7 @@
           <a:p>
             <a:fld id="{3A38A0E5-08CD-4ED8-B9ED-04088CC346AA}" type="datetimeFigureOut">
               <a:rPr lang="es-ES" smtClean="0"/>
-              <a:t>01/04/2017</a:t>
+              <a:t>03/04/2017</a:t>
             </a:fld>
             <a:endParaRPr lang="es-ES"/>
           </a:p>
@@ -4118,7 +4123,7 @@
     </p:spTree>
     <p:extLst>
       <p:ext uri="{BB962C8B-B14F-4D97-AF65-F5344CB8AC3E}">
-        <p14:creationId xmlns:p14="http://schemas.microsoft.com/office/powerpoint/2010/main" val="1399363689"/>
+        <p14:creationId xmlns:p14="http://schemas.microsoft.com/office/powerpoint/2010/main" val="2528284115"/>
       </p:ext>
     </p:extLst>
   </p:cSld>
@@ -4185,7 +4190,7 @@
           <a:p>
             <a:fld id="{3A38A0E5-08CD-4ED8-B9ED-04088CC346AA}" type="datetimeFigureOut">
               <a:rPr lang="es-ES" smtClean="0"/>
-              <a:t>01/04/2017</a:t>
+              <a:t>03/04/2017</a:t>
             </a:fld>
             <a:endParaRPr lang="es-ES"/>
           </a:p>
@@ -4318,7 +4323,7 @@
     </p:spTree>
     <p:extLst>
       <p:ext uri="{BB962C8B-B14F-4D97-AF65-F5344CB8AC3E}">
-        <p14:creationId xmlns:p14="http://schemas.microsoft.com/office/powerpoint/2010/main" val="4233189252"/>
+        <p14:creationId xmlns:p14="http://schemas.microsoft.com/office/powerpoint/2010/main" val="3216735714"/>
       </p:ext>
     </p:extLst>
   </p:cSld>
@@ -4362,7 +4367,7 @@
           <a:p>
             <a:fld id="{3A38A0E5-08CD-4ED8-B9ED-04088CC346AA}" type="datetimeFigureOut">
               <a:rPr lang="es-ES" smtClean="0"/>
-              <a:t>01/04/2017</a:t>
+              <a:t>03/04/2017</a:t>
             </a:fld>
             <a:endParaRPr lang="es-ES"/>
           </a:p>
@@ -4495,7 +4500,7 @@
     </p:spTree>
     <p:extLst>
       <p:ext uri="{BB962C8B-B14F-4D97-AF65-F5344CB8AC3E}">
-        <p14:creationId xmlns:p14="http://schemas.microsoft.com/office/powerpoint/2010/main" val="1251509516"/>
+        <p14:creationId xmlns:p14="http://schemas.microsoft.com/office/powerpoint/2010/main" val="1400097904"/>
       </p:ext>
     </p:extLst>
   </p:cSld>
@@ -4695,7 +4700,7 @@
           <a:p>
             <a:fld id="{3A38A0E5-08CD-4ED8-B9ED-04088CC346AA}" type="datetimeFigureOut">
               <a:rPr lang="es-ES" smtClean="0"/>
-              <a:t>01/04/2017</a:t>
+              <a:t>03/04/2017</a:t>
             </a:fld>
             <a:endParaRPr lang="es-ES"/>
           </a:p>
@@ -4828,7 +4833,7 @@
     </p:spTree>
     <p:extLst>
       <p:ext uri="{BB962C8B-B14F-4D97-AF65-F5344CB8AC3E}">
-        <p14:creationId xmlns:p14="http://schemas.microsoft.com/office/powerpoint/2010/main" val="2979497351"/>
+        <p14:creationId xmlns:p14="http://schemas.microsoft.com/office/powerpoint/2010/main" val="1774692941"/>
       </p:ext>
     </p:extLst>
   </p:cSld>
@@ -5040,7 +5045,7 @@
           <a:p>
             <a:fld id="{3A38A0E5-08CD-4ED8-B9ED-04088CC346AA}" type="datetimeFigureOut">
               <a:rPr lang="es-ES" smtClean="0"/>
-              <a:t>01/04/2017</a:t>
+              <a:t>03/04/2017</a:t>
             </a:fld>
             <a:endParaRPr lang="es-ES"/>
           </a:p>
@@ -5178,7 +5183,7 @@
     </p:spTree>
     <p:extLst>
       <p:ext uri="{BB962C8B-B14F-4D97-AF65-F5344CB8AC3E}">
-        <p14:creationId xmlns:p14="http://schemas.microsoft.com/office/powerpoint/2010/main" val="746604792"/>
+        <p14:creationId xmlns:p14="http://schemas.microsoft.com/office/powerpoint/2010/main" val="411083064"/>
       </p:ext>
     </p:extLst>
   </p:cSld>
@@ -5192,7 +5197,7 @@
 <p:sldMaster xmlns:a="http://schemas.openxmlformats.org/drawingml/2006/main" xmlns:r="http://schemas.openxmlformats.org/officeDocument/2006/relationships" xmlns:p="http://schemas.openxmlformats.org/presentationml/2006/main">
   <p:cSld>
     <p:bg>
-      <p:bgRef idx="1002">
+      <p:bgRef idx="1003">
         <a:schemeClr val="bg2"/>
       </p:bgRef>
     </p:bg>
@@ -6090,10 +6095,10 @@
         </p:nvGrpSpPr>
         <p:grpSpPr>
           <a:xfrm>
-            <a:off x="27221" y="157"/>
-            <a:ext cx="2356674" cy="6853096"/>
-            <a:chOff x="6627813" y="195610"/>
-            <a:chExt cx="1952625" cy="5678141"/>
+            <a:off x="27221" y="-786"/>
+            <a:ext cx="2356674" cy="6854039"/>
+            <a:chOff x="6627813" y="194833"/>
+            <a:chExt cx="1952625" cy="5678918"/>
           </a:xfrm>
         </p:grpSpPr>
         <p:sp>
@@ -6104,7 +6109,7 @@
           </p:nvSpPr>
           <p:spPr bwMode="auto">
             <a:xfrm>
-              <a:off x="6627813" y="195610"/>
+              <a:off x="6627813" y="194833"/>
               <a:ext cx="409575" cy="3646488"/>
             </a:xfrm>
             <a:custGeom>
@@ -7157,7 +7162,7 @@
           <a:p>
             <a:fld id="{3A38A0E5-08CD-4ED8-B9ED-04088CC346AA}" type="datetimeFigureOut">
               <a:rPr lang="es-ES" smtClean="0"/>
-              <a:t>01/04/2017</a:t>
+              <a:t>03/04/2017</a:t>
             </a:fld>
             <a:endParaRPr lang="es-ES"/>
           </a:p>
@@ -7242,28 +7247,28 @@
     </p:spTree>
     <p:extLst>
       <p:ext uri="{BB962C8B-B14F-4D97-AF65-F5344CB8AC3E}">
-        <p14:creationId xmlns:p14="http://schemas.microsoft.com/office/powerpoint/2010/main" val="3250773309"/>
+        <p14:creationId xmlns:p14="http://schemas.microsoft.com/office/powerpoint/2010/main" val="2941936482"/>
       </p:ext>
     </p:extLst>
   </p:cSld>
   <p:clrMap bg1="lt1" tx1="dk1" bg2="lt2" tx2="dk2" accent1="accent1" accent2="accent2" accent3="accent3" accent4="accent4" accent5="accent5" accent6="accent6" hlink="hlink" folHlink="folHlink"/>
   <p:sldLayoutIdLst>
-    <p:sldLayoutId id="2147483729" r:id="rId1"/>
-    <p:sldLayoutId id="2147483730" r:id="rId2"/>
-    <p:sldLayoutId id="2147483731" r:id="rId3"/>
-    <p:sldLayoutId id="2147483732" r:id="rId4"/>
-    <p:sldLayoutId id="2147483733" r:id="rId5"/>
-    <p:sldLayoutId id="2147483734" r:id="rId6"/>
-    <p:sldLayoutId id="2147483735" r:id="rId7"/>
-    <p:sldLayoutId id="2147483736" r:id="rId8"/>
-    <p:sldLayoutId id="2147483737" r:id="rId9"/>
-    <p:sldLayoutId id="2147483738" r:id="rId10"/>
-    <p:sldLayoutId id="2147483739" r:id="rId11"/>
-    <p:sldLayoutId id="2147483740" r:id="rId12"/>
-    <p:sldLayoutId id="2147483741" r:id="rId13"/>
-    <p:sldLayoutId id="2147483742" r:id="rId14"/>
-    <p:sldLayoutId id="2147483743" r:id="rId15"/>
-    <p:sldLayoutId id="2147483744" r:id="rId16"/>
+    <p:sldLayoutId id="2147483746" r:id="rId1"/>
+    <p:sldLayoutId id="2147483747" r:id="rId2"/>
+    <p:sldLayoutId id="2147483748" r:id="rId3"/>
+    <p:sldLayoutId id="2147483749" r:id="rId4"/>
+    <p:sldLayoutId id="2147483750" r:id="rId5"/>
+    <p:sldLayoutId id="2147483751" r:id="rId6"/>
+    <p:sldLayoutId id="2147483752" r:id="rId7"/>
+    <p:sldLayoutId id="2147483753" r:id="rId8"/>
+    <p:sldLayoutId id="2147483754" r:id="rId9"/>
+    <p:sldLayoutId id="2147483755" r:id="rId10"/>
+    <p:sldLayoutId id="2147483756" r:id="rId11"/>
+    <p:sldLayoutId id="2147483757" r:id="rId12"/>
+    <p:sldLayoutId id="2147483758" r:id="rId13"/>
+    <p:sldLayoutId id="2147483759" r:id="rId14"/>
+    <p:sldLayoutId id="2147483760" r:id="rId15"/>
+    <p:sldLayoutId id="2147483761" r:id="rId16"/>
   </p:sldLayoutIdLst>
   <p:txStyles>
     <p:titleStyle>
@@ -7274,8 +7279,9 @@
         <a:buNone/>
         <a:defRPr sz="3600" kern="1200">
           <a:solidFill>
-            <a:schemeClr val="accent2">
-              <a:lumMod val="75000"/>
+            <a:schemeClr val="tx1">
+              <a:lumMod val="85000"/>
+              <a:lumOff val="15000"/>
             </a:schemeClr>
           </a:solidFill>
           <a:latin typeface="+mj-lt"/>
@@ -7690,9 +7696,10 @@
           <a:lstStyle/>
           <a:p>
             <a:r>
-              <a:rPr lang="es-ES" dirty="0"/>
+              <a:rPr lang="es-ES"/>
               <a:t>Recomendaciones</a:t>
             </a:r>
+            <a:endParaRPr lang="es-ES" dirty="0"/>
           </a:p>
         </p:txBody>
       </p:sp>
@@ -7726,466 +7733,6 @@
           <a:chExt cx="0" cy="0"/>
         </a:xfrm>
       </p:grpSpPr>
-      <p:sp useBgFill="1">
-        <p:nvSpPr>
-          <p:cNvPr id="3089" name="Rectangle 71"/>
-          <p:cNvSpPr>
-            <a:spLocks noGrp="1" noRot="1" noChangeAspect="1" noMove="1" noResize="1" noEditPoints="1" noAdjustHandles="1" noChangeArrowheads="1" noChangeShapeType="1" noTextEdit="1"/>
-          </p:cNvSpPr>
-          <p:nvPr>
-            <p:extLst>
-              <p:ext uri="{386F3935-93C4-4BCD-93E2-E3B085C9AB24}">
-                <p16:designElem xmlns:p16="http://schemas.microsoft.com/office/powerpoint/2015/main" val="1"/>
-              </p:ext>
-            </p:extLst>
-          </p:nvPr>
-        </p:nvSpPr>
-        <p:spPr>
-          <a:xfrm>
-            <a:off x="0" y="-786"/>
-            <a:ext cx="12192000" cy="6854038"/>
-          </a:xfrm>
-          <a:prstGeom prst="rect">
-            <a:avLst/>
-          </a:prstGeom>
-          <a:ln>
-            <a:noFill/>
-          </a:ln>
-        </p:spPr>
-        <p:style>
-          <a:lnRef idx="2">
-            <a:schemeClr val="accent1">
-              <a:shade val="50000"/>
-            </a:schemeClr>
-          </a:lnRef>
-          <a:fillRef idx="1">
-            <a:schemeClr val="accent1"/>
-          </a:fillRef>
-          <a:effectRef idx="0">
-            <a:schemeClr val="accent1"/>
-          </a:effectRef>
-          <a:fontRef idx="minor">
-            <a:schemeClr val="lt1"/>
-          </a:fontRef>
-        </p:style>
-        <p:txBody>
-          <a:bodyPr rtlCol="0" anchor="ctr"/>
-          <a:lstStyle/>
-          <a:p>
-            <a:pPr algn="ctr"/>
-            <a:endParaRPr lang="en-US"/>
-          </a:p>
-        </p:txBody>
-      </p:sp>
-      <p:sp>
-        <p:nvSpPr>
-          <p:cNvPr id="3090" name="Rectangle 73"/>
-          <p:cNvSpPr>
-            <a:spLocks noGrp="1" noRot="1" noChangeAspect="1" noMove="1" noResize="1" noEditPoints="1" noAdjustHandles="1" noChangeArrowheads="1" noChangeShapeType="1" noTextEdit="1"/>
-          </p:cNvSpPr>
-          <p:nvPr>
-            <p:extLst>
-              <p:ext uri="{386F3935-93C4-4BCD-93E2-E3B085C9AB24}">
-                <p16:designElem xmlns:p16="http://schemas.microsoft.com/office/powerpoint/2015/main" val="1"/>
-              </p:ext>
-            </p:extLst>
-          </p:nvPr>
-        </p:nvSpPr>
-        <p:spPr bwMode="white">
-          <a:xfrm>
-            <a:off x="-1" y="0"/>
-            <a:ext cx="8229600" cy="6858000"/>
-          </a:xfrm>
-          <a:prstGeom prst="rect">
-            <a:avLst/>
-          </a:prstGeom>
-          <a:solidFill>
-            <a:schemeClr val="tx2">
-              <a:lumMod val="50000"/>
-              <a:alpha val="90000"/>
-            </a:schemeClr>
-          </a:solidFill>
-          <a:ln>
-            <a:noFill/>
-          </a:ln>
-          <a:effectLst/>
-        </p:spPr>
-        <p:style>
-          <a:lnRef idx="1">
-            <a:schemeClr val="accent1"/>
-          </a:lnRef>
-          <a:fillRef idx="3">
-            <a:schemeClr val="accent1"/>
-          </a:fillRef>
-          <a:effectRef idx="2">
-            <a:schemeClr val="accent1"/>
-          </a:effectRef>
-          <a:fontRef idx="minor">
-            <a:schemeClr val="lt1"/>
-          </a:fontRef>
-        </p:style>
-      </p:sp>
-      <p:sp>
-        <p:nvSpPr>
-          <p:cNvPr id="3091" name="Freeform 5"/>
-          <p:cNvSpPr>
-            <a:spLocks noGrp="1" noRot="1" noChangeAspect="1" noMove="1" noResize="1" noEditPoints="1" noAdjustHandles="1" noChangeArrowheads="1" noChangeShapeType="1" noTextEdit="1"/>
-          </p:cNvSpPr>
-          <p:nvPr>
-            <p:extLst>
-              <p:ext uri="{386F3935-93C4-4BCD-93E2-E3B085C9AB24}">
-                <p16:designElem xmlns:p16="http://schemas.microsoft.com/office/powerpoint/2015/main" val="1"/>
-              </p:ext>
-            </p:extLst>
-          </p:nvPr>
-        </p:nvSpPr>
-        <p:spPr bwMode="grayWhite">
-          <a:xfrm>
-            <a:off x="1" y="659027"/>
-            <a:ext cx="9042690" cy="1035152"/>
-          </a:xfrm>
-          <a:custGeom>
-            <a:avLst/>
-            <a:gdLst>
-              <a:gd name="T0" fmla="*/ 1900 w 1902"/>
-              <a:gd name="T1" fmla="*/ 77 h 163"/>
-              <a:gd name="T2" fmla="*/ 1826 w 1902"/>
-              <a:gd name="T3" fmla="*/ 3 h 163"/>
-              <a:gd name="T4" fmla="*/ 1825 w 1902"/>
-              <a:gd name="T5" fmla="*/ 2 h 163"/>
-              <a:gd name="T6" fmla="*/ 1819 w 1902"/>
-              <a:gd name="T7" fmla="*/ 0 h 163"/>
-              <a:gd name="T8" fmla="*/ 1363 w 1902"/>
-              <a:gd name="T9" fmla="*/ 0 h 163"/>
-              <a:gd name="T10" fmla="*/ 1348 w 1902"/>
-              <a:gd name="T11" fmla="*/ 0 h 163"/>
-              <a:gd name="T12" fmla="*/ 1225 w 1902"/>
-              <a:gd name="T13" fmla="*/ 0 h 163"/>
-              <a:gd name="T14" fmla="*/ 1033 w 1902"/>
-              <a:gd name="T15" fmla="*/ 0 h 163"/>
-              <a:gd name="T16" fmla="*/ 892 w 1902"/>
-              <a:gd name="T17" fmla="*/ 0 h 163"/>
-              <a:gd name="T18" fmla="*/ 786 w 1902"/>
-              <a:gd name="T19" fmla="*/ 0 h 163"/>
-              <a:gd name="T20" fmla="*/ 577 w 1902"/>
-              <a:gd name="T21" fmla="*/ 0 h 163"/>
-              <a:gd name="T22" fmla="*/ 562 w 1902"/>
-              <a:gd name="T23" fmla="*/ 0 h 163"/>
-              <a:gd name="T24" fmla="*/ 439 w 1902"/>
-              <a:gd name="T25" fmla="*/ 0 h 163"/>
-              <a:gd name="T26" fmla="*/ 106 w 1902"/>
-              <a:gd name="T27" fmla="*/ 0 h 163"/>
-              <a:gd name="T28" fmla="*/ 0 w 1902"/>
-              <a:gd name="T29" fmla="*/ 0 h 163"/>
-              <a:gd name="T30" fmla="*/ 0 w 1902"/>
-              <a:gd name="T31" fmla="*/ 163 h 163"/>
-              <a:gd name="T32" fmla="*/ 106 w 1902"/>
-              <a:gd name="T33" fmla="*/ 163 h 163"/>
-              <a:gd name="T34" fmla="*/ 439 w 1902"/>
-              <a:gd name="T35" fmla="*/ 163 h 163"/>
-              <a:gd name="T36" fmla="*/ 562 w 1902"/>
-              <a:gd name="T37" fmla="*/ 163 h 163"/>
-              <a:gd name="T38" fmla="*/ 577 w 1902"/>
-              <a:gd name="T39" fmla="*/ 163 h 163"/>
-              <a:gd name="T40" fmla="*/ 786 w 1902"/>
-              <a:gd name="T41" fmla="*/ 163 h 163"/>
-              <a:gd name="T42" fmla="*/ 892 w 1902"/>
-              <a:gd name="T43" fmla="*/ 163 h 163"/>
-              <a:gd name="T44" fmla="*/ 1033 w 1902"/>
-              <a:gd name="T45" fmla="*/ 163 h 163"/>
-              <a:gd name="T46" fmla="*/ 1225 w 1902"/>
-              <a:gd name="T47" fmla="*/ 163 h 163"/>
-              <a:gd name="T48" fmla="*/ 1348 w 1902"/>
-              <a:gd name="T49" fmla="*/ 163 h 163"/>
-              <a:gd name="T50" fmla="*/ 1363 w 1902"/>
-              <a:gd name="T51" fmla="*/ 163 h 163"/>
-              <a:gd name="T52" fmla="*/ 1819 w 1902"/>
-              <a:gd name="T53" fmla="*/ 163 h 163"/>
-              <a:gd name="T54" fmla="*/ 1825 w 1902"/>
-              <a:gd name="T55" fmla="*/ 161 h 163"/>
-              <a:gd name="T56" fmla="*/ 1826 w 1902"/>
-              <a:gd name="T57" fmla="*/ 160 h 163"/>
-              <a:gd name="T58" fmla="*/ 1900 w 1902"/>
-              <a:gd name="T59" fmla="*/ 86 h 163"/>
-              <a:gd name="T60" fmla="*/ 1900 w 1902"/>
-              <a:gd name="T61" fmla="*/ 77 h 163"/>
-            </a:gdLst>
-            <a:ahLst/>
-            <a:cxnLst>
-              <a:cxn ang="0">
-                <a:pos x="T0" y="T1"/>
-              </a:cxn>
-              <a:cxn ang="0">
-                <a:pos x="T2" y="T3"/>
-              </a:cxn>
-              <a:cxn ang="0">
-                <a:pos x="T4" y="T5"/>
-              </a:cxn>
-              <a:cxn ang="0">
-                <a:pos x="T6" y="T7"/>
-              </a:cxn>
-              <a:cxn ang="0">
-                <a:pos x="T8" y="T9"/>
-              </a:cxn>
-              <a:cxn ang="0">
-                <a:pos x="T10" y="T11"/>
-              </a:cxn>
-              <a:cxn ang="0">
-                <a:pos x="T12" y="T13"/>
-              </a:cxn>
-              <a:cxn ang="0">
-                <a:pos x="T14" y="T15"/>
-              </a:cxn>
-              <a:cxn ang="0">
-                <a:pos x="T16" y="T17"/>
-              </a:cxn>
-              <a:cxn ang="0">
-                <a:pos x="T18" y="T19"/>
-              </a:cxn>
-              <a:cxn ang="0">
-                <a:pos x="T20" y="T21"/>
-              </a:cxn>
-              <a:cxn ang="0">
-                <a:pos x="T22" y="T23"/>
-              </a:cxn>
-              <a:cxn ang="0">
-                <a:pos x="T24" y="T25"/>
-              </a:cxn>
-              <a:cxn ang="0">
-                <a:pos x="T26" y="T27"/>
-              </a:cxn>
-              <a:cxn ang="0">
-                <a:pos x="T28" y="T29"/>
-              </a:cxn>
-              <a:cxn ang="0">
-                <a:pos x="T30" y="T31"/>
-              </a:cxn>
-              <a:cxn ang="0">
-                <a:pos x="T32" y="T33"/>
-              </a:cxn>
-              <a:cxn ang="0">
-                <a:pos x="T34" y="T35"/>
-              </a:cxn>
-              <a:cxn ang="0">
-                <a:pos x="T36" y="T37"/>
-              </a:cxn>
-              <a:cxn ang="0">
-                <a:pos x="T38" y="T39"/>
-              </a:cxn>
-              <a:cxn ang="0">
-                <a:pos x="T40" y="T41"/>
-              </a:cxn>
-              <a:cxn ang="0">
-                <a:pos x="T42" y="T43"/>
-              </a:cxn>
-              <a:cxn ang="0">
-                <a:pos x="T44" y="T45"/>
-              </a:cxn>
-              <a:cxn ang="0">
-                <a:pos x="T46" y="T47"/>
-              </a:cxn>
-              <a:cxn ang="0">
-                <a:pos x="T48" y="T49"/>
-              </a:cxn>
-              <a:cxn ang="0">
-                <a:pos x="T50" y="T51"/>
-              </a:cxn>
-              <a:cxn ang="0">
-                <a:pos x="T52" y="T53"/>
-              </a:cxn>
-              <a:cxn ang="0">
-                <a:pos x="T54" y="T55"/>
-              </a:cxn>
-              <a:cxn ang="0">
-                <a:pos x="T56" y="T57"/>
-              </a:cxn>
-              <a:cxn ang="0">
-                <a:pos x="T58" y="T59"/>
-              </a:cxn>
-              <a:cxn ang="0">
-                <a:pos x="T60" y="T61"/>
-              </a:cxn>
-            </a:cxnLst>
-            <a:rect l="0" t="0" r="r" b="b"/>
-            <a:pathLst>
-              <a:path w="1902" h="163">
-                <a:moveTo>
-                  <a:pt x="1900" y="77"/>
-                </a:moveTo>
-                <a:cubicBezTo>
-                  <a:pt x="1826" y="3"/>
-                  <a:pt x="1826" y="3"/>
-                  <a:pt x="1826" y="3"/>
-                </a:cubicBezTo>
-                <a:cubicBezTo>
-                  <a:pt x="1825" y="2"/>
-                  <a:pt x="1825" y="2"/>
-                  <a:pt x="1825" y="2"/>
-                </a:cubicBezTo>
-                <a:cubicBezTo>
-                  <a:pt x="1823" y="1"/>
-                  <a:pt x="1821" y="0"/>
-                  <a:pt x="1819" y="0"/>
-                </a:cubicBezTo>
-                <a:cubicBezTo>
-                  <a:pt x="1363" y="0"/>
-                  <a:pt x="1363" y="0"/>
-                  <a:pt x="1363" y="0"/>
-                </a:cubicBezTo>
-                <a:cubicBezTo>
-                  <a:pt x="1348" y="0"/>
-                  <a:pt x="1348" y="0"/>
-                  <a:pt x="1348" y="0"/>
-                </a:cubicBezTo>
-                <a:cubicBezTo>
-                  <a:pt x="1225" y="0"/>
-                  <a:pt x="1225" y="0"/>
-                  <a:pt x="1225" y="0"/>
-                </a:cubicBezTo>
-                <a:cubicBezTo>
-                  <a:pt x="1033" y="0"/>
-                  <a:pt x="1033" y="0"/>
-                  <a:pt x="1033" y="0"/>
-                </a:cubicBezTo>
-                <a:cubicBezTo>
-                  <a:pt x="892" y="0"/>
-                  <a:pt x="892" y="0"/>
-                  <a:pt x="892" y="0"/>
-                </a:cubicBezTo>
-                <a:cubicBezTo>
-                  <a:pt x="786" y="0"/>
-                  <a:pt x="786" y="0"/>
-                  <a:pt x="786" y="0"/>
-                </a:cubicBezTo>
-                <a:cubicBezTo>
-                  <a:pt x="577" y="0"/>
-                  <a:pt x="577" y="0"/>
-                  <a:pt x="577" y="0"/>
-                </a:cubicBezTo>
-                <a:cubicBezTo>
-                  <a:pt x="562" y="0"/>
-                  <a:pt x="562" y="0"/>
-                  <a:pt x="562" y="0"/>
-                </a:cubicBezTo>
-                <a:cubicBezTo>
-                  <a:pt x="439" y="0"/>
-                  <a:pt x="439" y="0"/>
-                  <a:pt x="439" y="0"/>
-                </a:cubicBezTo>
-                <a:cubicBezTo>
-                  <a:pt x="106" y="0"/>
-                  <a:pt x="106" y="0"/>
-                  <a:pt x="106" y="0"/>
-                </a:cubicBezTo>
-                <a:cubicBezTo>
-                  <a:pt x="0" y="0"/>
-                  <a:pt x="0" y="0"/>
-                  <a:pt x="0" y="0"/>
-                </a:cubicBezTo>
-                <a:cubicBezTo>
-                  <a:pt x="0" y="163"/>
-                  <a:pt x="0" y="163"/>
-                  <a:pt x="0" y="163"/>
-                </a:cubicBezTo>
-                <a:cubicBezTo>
-                  <a:pt x="106" y="163"/>
-                  <a:pt x="106" y="163"/>
-                  <a:pt x="106" y="163"/>
-                </a:cubicBezTo>
-                <a:cubicBezTo>
-                  <a:pt x="439" y="163"/>
-                  <a:pt x="439" y="163"/>
-                  <a:pt x="439" y="163"/>
-                </a:cubicBezTo>
-                <a:cubicBezTo>
-                  <a:pt x="562" y="163"/>
-                  <a:pt x="562" y="163"/>
-                  <a:pt x="562" y="163"/>
-                </a:cubicBezTo>
-                <a:cubicBezTo>
-                  <a:pt x="577" y="163"/>
-                  <a:pt x="577" y="163"/>
-                  <a:pt x="577" y="163"/>
-                </a:cubicBezTo>
-                <a:cubicBezTo>
-                  <a:pt x="786" y="163"/>
-                  <a:pt x="786" y="163"/>
-                  <a:pt x="786" y="163"/>
-                </a:cubicBezTo>
-                <a:cubicBezTo>
-                  <a:pt x="892" y="163"/>
-                  <a:pt x="892" y="163"/>
-                  <a:pt x="892" y="163"/>
-                </a:cubicBezTo>
-                <a:cubicBezTo>
-                  <a:pt x="1033" y="163"/>
-                  <a:pt x="1033" y="163"/>
-                  <a:pt x="1033" y="163"/>
-                </a:cubicBezTo>
-                <a:cubicBezTo>
-                  <a:pt x="1225" y="163"/>
-                  <a:pt x="1225" y="163"/>
-                  <a:pt x="1225" y="163"/>
-                </a:cubicBezTo>
-                <a:cubicBezTo>
-                  <a:pt x="1348" y="163"/>
-                  <a:pt x="1348" y="163"/>
-                  <a:pt x="1348" y="163"/>
-                </a:cubicBezTo>
-                <a:cubicBezTo>
-                  <a:pt x="1363" y="163"/>
-                  <a:pt x="1363" y="163"/>
-                  <a:pt x="1363" y="163"/>
-                </a:cubicBezTo>
-                <a:cubicBezTo>
-                  <a:pt x="1819" y="163"/>
-                  <a:pt x="1819" y="163"/>
-                  <a:pt x="1819" y="163"/>
-                </a:cubicBezTo>
-                <a:cubicBezTo>
-                  <a:pt x="1821" y="163"/>
-                  <a:pt x="1823" y="162"/>
-                  <a:pt x="1825" y="161"/>
-                </a:cubicBezTo>
-                <a:cubicBezTo>
-                  <a:pt x="1825" y="160"/>
-                  <a:pt x="1825" y="160"/>
-                  <a:pt x="1826" y="160"/>
-                </a:cubicBezTo>
-                <a:cubicBezTo>
-                  <a:pt x="1900" y="86"/>
-                  <a:pt x="1900" y="86"/>
-                  <a:pt x="1900" y="86"/>
-                </a:cubicBezTo>
-                <a:cubicBezTo>
-                  <a:pt x="1902" y="83"/>
-                  <a:pt x="1902" y="79"/>
-                  <a:pt x="1900" y="77"/>
-                </a:cubicBezTo>
-                <a:close/>
-              </a:path>
-            </a:pathLst>
-          </a:custGeom>
-          <a:solidFill>
-            <a:schemeClr val="accent1"/>
-          </a:solidFill>
-          <a:ln>
-            <a:noFill/>
-          </a:ln>
-          <a:extLst/>
-        </p:spPr>
-        <p:txBody>
-          <a:bodyPr vert="horz" wrap="square" lIns="91440" tIns="45720" rIns="91440" bIns="45720" numCol="1" anchor="t" anchorCtr="0" compatLnSpc="1">
-            <a:prstTxWarp prst="textNoShape">
-              <a:avLst/>
-            </a:prstTxWarp>
-          </a:bodyPr>
-          <a:lstStyle/>
-          <a:p>
-            <a:endParaRPr lang="en-US"/>
-          </a:p>
-        </p:txBody>
-      </p:sp>
       <p:pic>
         <p:nvPicPr>
           <p:cNvPr id="3076" name="Picture 4" descr="Resultado de imagen de android logo"/>
@@ -9271,466 +8818,6 @@
           <a:chExt cx="0" cy="0"/>
         </a:xfrm>
       </p:grpSpPr>
-      <p:sp useBgFill="1">
-        <p:nvSpPr>
-          <p:cNvPr id="72" name="Rectangle 71"/>
-          <p:cNvSpPr>
-            <a:spLocks noGrp="1" noRot="1" noChangeAspect="1" noMove="1" noResize="1" noEditPoints="1" noAdjustHandles="1" noChangeArrowheads="1" noChangeShapeType="1" noTextEdit="1"/>
-          </p:cNvSpPr>
-          <p:nvPr>
-            <p:extLst>
-              <p:ext uri="{386F3935-93C4-4BCD-93E2-E3B085C9AB24}">
-                <p16:designElem xmlns:p16="http://schemas.microsoft.com/office/powerpoint/2015/main" val="1"/>
-              </p:ext>
-            </p:extLst>
-          </p:nvPr>
-        </p:nvSpPr>
-        <p:spPr>
-          <a:xfrm>
-            <a:off x="0" y="-786"/>
-            <a:ext cx="12192000" cy="6854038"/>
-          </a:xfrm>
-          <a:prstGeom prst="rect">
-            <a:avLst/>
-          </a:prstGeom>
-          <a:ln>
-            <a:noFill/>
-          </a:ln>
-        </p:spPr>
-        <p:style>
-          <a:lnRef idx="2">
-            <a:schemeClr val="accent1">
-              <a:shade val="50000"/>
-            </a:schemeClr>
-          </a:lnRef>
-          <a:fillRef idx="1">
-            <a:schemeClr val="accent1"/>
-          </a:fillRef>
-          <a:effectRef idx="0">
-            <a:schemeClr val="accent1"/>
-          </a:effectRef>
-          <a:fontRef idx="minor">
-            <a:schemeClr val="lt1"/>
-          </a:fontRef>
-        </p:style>
-        <p:txBody>
-          <a:bodyPr rtlCol="0" anchor="ctr"/>
-          <a:lstStyle/>
-          <a:p>
-            <a:pPr algn="ctr"/>
-            <a:endParaRPr lang="en-US"/>
-          </a:p>
-        </p:txBody>
-      </p:sp>
-      <p:sp>
-        <p:nvSpPr>
-          <p:cNvPr id="74" name="Rectangle 73"/>
-          <p:cNvSpPr>
-            <a:spLocks noGrp="1" noRot="1" noChangeAspect="1" noMove="1" noResize="1" noEditPoints="1" noAdjustHandles="1" noChangeArrowheads="1" noChangeShapeType="1" noTextEdit="1"/>
-          </p:cNvSpPr>
-          <p:nvPr>
-            <p:extLst>
-              <p:ext uri="{386F3935-93C4-4BCD-93E2-E3B085C9AB24}">
-                <p16:designElem xmlns:p16="http://schemas.microsoft.com/office/powerpoint/2015/main" val="1"/>
-              </p:ext>
-            </p:extLst>
-          </p:nvPr>
-        </p:nvSpPr>
-        <p:spPr bwMode="white">
-          <a:xfrm>
-            <a:off x="-1" y="0"/>
-            <a:ext cx="8229600" cy="6858000"/>
-          </a:xfrm>
-          <a:prstGeom prst="rect">
-            <a:avLst/>
-          </a:prstGeom>
-          <a:solidFill>
-            <a:schemeClr val="tx2">
-              <a:lumMod val="50000"/>
-              <a:alpha val="90000"/>
-            </a:schemeClr>
-          </a:solidFill>
-          <a:ln>
-            <a:noFill/>
-          </a:ln>
-          <a:effectLst/>
-        </p:spPr>
-        <p:style>
-          <a:lnRef idx="1">
-            <a:schemeClr val="accent1"/>
-          </a:lnRef>
-          <a:fillRef idx="3">
-            <a:schemeClr val="accent1"/>
-          </a:fillRef>
-          <a:effectRef idx="2">
-            <a:schemeClr val="accent1"/>
-          </a:effectRef>
-          <a:fontRef idx="minor">
-            <a:schemeClr val="lt1"/>
-          </a:fontRef>
-        </p:style>
-      </p:sp>
-      <p:sp>
-        <p:nvSpPr>
-          <p:cNvPr id="76" name="Freeform 5"/>
-          <p:cNvSpPr>
-            <a:spLocks noGrp="1" noRot="1" noChangeAspect="1" noMove="1" noResize="1" noEditPoints="1" noAdjustHandles="1" noChangeArrowheads="1" noChangeShapeType="1" noTextEdit="1"/>
-          </p:cNvSpPr>
-          <p:nvPr>
-            <p:extLst>
-              <p:ext uri="{386F3935-93C4-4BCD-93E2-E3B085C9AB24}">
-                <p16:designElem xmlns:p16="http://schemas.microsoft.com/office/powerpoint/2015/main" val="1"/>
-              </p:ext>
-            </p:extLst>
-          </p:nvPr>
-        </p:nvSpPr>
-        <p:spPr bwMode="grayWhite">
-          <a:xfrm>
-            <a:off x="1" y="659027"/>
-            <a:ext cx="9042690" cy="1035152"/>
-          </a:xfrm>
-          <a:custGeom>
-            <a:avLst/>
-            <a:gdLst>
-              <a:gd name="T0" fmla="*/ 1900 w 1902"/>
-              <a:gd name="T1" fmla="*/ 77 h 163"/>
-              <a:gd name="T2" fmla="*/ 1826 w 1902"/>
-              <a:gd name="T3" fmla="*/ 3 h 163"/>
-              <a:gd name="T4" fmla="*/ 1825 w 1902"/>
-              <a:gd name="T5" fmla="*/ 2 h 163"/>
-              <a:gd name="T6" fmla="*/ 1819 w 1902"/>
-              <a:gd name="T7" fmla="*/ 0 h 163"/>
-              <a:gd name="T8" fmla="*/ 1363 w 1902"/>
-              <a:gd name="T9" fmla="*/ 0 h 163"/>
-              <a:gd name="T10" fmla="*/ 1348 w 1902"/>
-              <a:gd name="T11" fmla="*/ 0 h 163"/>
-              <a:gd name="T12" fmla="*/ 1225 w 1902"/>
-              <a:gd name="T13" fmla="*/ 0 h 163"/>
-              <a:gd name="T14" fmla="*/ 1033 w 1902"/>
-              <a:gd name="T15" fmla="*/ 0 h 163"/>
-              <a:gd name="T16" fmla="*/ 892 w 1902"/>
-              <a:gd name="T17" fmla="*/ 0 h 163"/>
-              <a:gd name="T18" fmla="*/ 786 w 1902"/>
-              <a:gd name="T19" fmla="*/ 0 h 163"/>
-              <a:gd name="T20" fmla="*/ 577 w 1902"/>
-              <a:gd name="T21" fmla="*/ 0 h 163"/>
-              <a:gd name="T22" fmla="*/ 562 w 1902"/>
-              <a:gd name="T23" fmla="*/ 0 h 163"/>
-              <a:gd name="T24" fmla="*/ 439 w 1902"/>
-              <a:gd name="T25" fmla="*/ 0 h 163"/>
-              <a:gd name="T26" fmla="*/ 106 w 1902"/>
-              <a:gd name="T27" fmla="*/ 0 h 163"/>
-              <a:gd name="T28" fmla="*/ 0 w 1902"/>
-              <a:gd name="T29" fmla="*/ 0 h 163"/>
-              <a:gd name="T30" fmla="*/ 0 w 1902"/>
-              <a:gd name="T31" fmla="*/ 163 h 163"/>
-              <a:gd name="T32" fmla="*/ 106 w 1902"/>
-              <a:gd name="T33" fmla="*/ 163 h 163"/>
-              <a:gd name="T34" fmla="*/ 439 w 1902"/>
-              <a:gd name="T35" fmla="*/ 163 h 163"/>
-              <a:gd name="T36" fmla="*/ 562 w 1902"/>
-              <a:gd name="T37" fmla="*/ 163 h 163"/>
-              <a:gd name="T38" fmla="*/ 577 w 1902"/>
-              <a:gd name="T39" fmla="*/ 163 h 163"/>
-              <a:gd name="T40" fmla="*/ 786 w 1902"/>
-              <a:gd name="T41" fmla="*/ 163 h 163"/>
-              <a:gd name="T42" fmla="*/ 892 w 1902"/>
-              <a:gd name="T43" fmla="*/ 163 h 163"/>
-              <a:gd name="T44" fmla="*/ 1033 w 1902"/>
-              <a:gd name="T45" fmla="*/ 163 h 163"/>
-              <a:gd name="T46" fmla="*/ 1225 w 1902"/>
-              <a:gd name="T47" fmla="*/ 163 h 163"/>
-              <a:gd name="T48" fmla="*/ 1348 w 1902"/>
-              <a:gd name="T49" fmla="*/ 163 h 163"/>
-              <a:gd name="T50" fmla="*/ 1363 w 1902"/>
-              <a:gd name="T51" fmla="*/ 163 h 163"/>
-              <a:gd name="T52" fmla="*/ 1819 w 1902"/>
-              <a:gd name="T53" fmla="*/ 163 h 163"/>
-              <a:gd name="T54" fmla="*/ 1825 w 1902"/>
-              <a:gd name="T55" fmla="*/ 161 h 163"/>
-              <a:gd name="T56" fmla="*/ 1826 w 1902"/>
-              <a:gd name="T57" fmla="*/ 160 h 163"/>
-              <a:gd name="T58" fmla="*/ 1900 w 1902"/>
-              <a:gd name="T59" fmla="*/ 86 h 163"/>
-              <a:gd name="T60" fmla="*/ 1900 w 1902"/>
-              <a:gd name="T61" fmla="*/ 77 h 163"/>
-            </a:gdLst>
-            <a:ahLst/>
-            <a:cxnLst>
-              <a:cxn ang="0">
-                <a:pos x="T0" y="T1"/>
-              </a:cxn>
-              <a:cxn ang="0">
-                <a:pos x="T2" y="T3"/>
-              </a:cxn>
-              <a:cxn ang="0">
-                <a:pos x="T4" y="T5"/>
-              </a:cxn>
-              <a:cxn ang="0">
-                <a:pos x="T6" y="T7"/>
-              </a:cxn>
-              <a:cxn ang="0">
-                <a:pos x="T8" y="T9"/>
-              </a:cxn>
-              <a:cxn ang="0">
-                <a:pos x="T10" y="T11"/>
-              </a:cxn>
-              <a:cxn ang="0">
-                <a:pos x="T12" y="T13"/>
-              </a:cxn>
-              <a:cxn ang="0">
-                <a:pos x="T14" y="T15"/>
-              </a:cxn>
-              <a:cxn ang="0">
-                <a:pos x="T16" y="T17"/>
-              </a:cxn>
-              <a:cxn ang="0">
-                <a:pos x="T18" y="T19"/>
-              </a:cxn>
-              <a:cxn ang="0">
-                <a:pos x="T20" y="T21"/>
-              </a:cxn>
-              <a:cxn ang="0">
-                <a:pos x="T22" y="T23"/>
-              </a:cxn>
-              <a:cxn ang="0">
-                <a:pos x="T24" y="T25"/>
-              </a:cxn>
-              <a:cxn ang="0">
-                <a:pos x="T26" y="T27"/>
-              </a:cxn>
-              <a:cxn ang="0">
-                <a:pos x="T28" y="T29"/>
-              </a:cxn>
-              <a:cxn ang="0">
-                <a:pos x="T30" y="T31"/>
-              </a:cxn>
-              <a:cxn ang="0">
-                <a:pos x="T32" y="T33"/>
-              </a:cxn>
-              <a:cxn ang="0">
-                <a:pos x="T34" y="T35"/>
-              </a:cxn>
-              <a:cxn ang="0">
-                <a:pos x="T36" y="T37"/>
-              </a:cxn>
-              <a:cxn ang="0">
-                <a:pos x="T38" y="T39"/>
-              </a:cxn>
-              <a:cxn ang="0">
-                <a:pos x="T40" y="T41"/>
-              </a:cxn>
-              <a:cxn ang="0">
-                <a:pos x="T42" y="T43"/>
-              </a:cxn>
-              <a:cxn ang="0">
-                <a:pos x="T44" y="T45"/>
-              </a:cxn>
-              <a:cxn ang="0">
-                <a:pos x="T46" y="T47"/>
-              </a:cxn>
-              <a:cxn ang="0">
-                <a:pos x="T48" y="T49"/>
-              </a:cxn>
-              <a:cxn ang="0">
-                <a:pos x="T50" y="T51"/>
-              </a:cxn>
-              <a:cxn ang="0">
-                <a:pos x="T52" y="T53"/>
-              </a:cxn>
-              <a:cxn ang="0">
-                <a:pos x="T54" y="T55"/>
-              </a:cxn>
-              <a:cxn ang="0">
-                <a:pos x="T56" y="T57"/>
-              </a:cxn>
-              <a:cxn ang="0">
-                <a:pos x="T58" y="T59"/>
-              </a:cxn>
-              <a:cxn ang="0">
-                <a:pos x="T60" y="T61"/>
-              </a:cxn>
-            </a:cxnLst>
-            <a:rect l="0" t="0" r="r" b="b"/>
-            <a:pathLst>
-              <a:path w="1902" h="163">
-                <a:moveTo>
-                  <a:pt x="1900" y="77"/>
-                </a:moveTo>
-                <a:cubicBezTo>
-                  <a:pt x="1826" y="3"/>
-                  <a:pt x="1826" y="3"/>
-                  <a:pt x="1826" y="3"/>
-                </a:cubicBezTo>
-                <a:cubicBezTo>
-                  <a:pt x="1825" y="2"/>
-                  <a:pt x="1825" y="2"/>
-                  <a:pt x="1825" y="2"/>
-                </a:cubicBezTo>
-                <a:cubicBezTo>
-                  <a:pt x="1823" y="1"/>
-                  <a:pt x="1821" y="0"/>
-                  <a:pt x="1819" y="0"/>
-                </a:cubicBezTo>
-                <a:cubicBezTo>
-                  <a:pt x="1363" y="0"/>
-                  <a:pt x="1363" y="0"/>
-                  <a:pt x="1363" y="0"/>
-                </a:cubicBezTo>
-                <a:cubicBezTo>
-                  <a:pt x="1348" y="0"/>
-                  <a:pt x="1348" y="0"/>
-                  <a:pt x="1348" y="0"/>
-                </a:cubicBezTo>
-                <a:cubicBezTo>
-                  <a:pt x="1225" y="0"/>
-                  <a:pt x="1225" y="0"/>
-                  <a:pt x="1225" y="0"/>
-                </a:cubicBezTo>
-                <a:cubicBezTo>
-                  <a:pt x="1033" y="0"/>
-                  <a:pt x="1033" y="0"/>
-                  <a:pt x="1033" y="0"/>
-                </a:cubicBezTo>
-                <a:cubicBezTo>
-                  <a:pt x="892" y="0"/>
-                  <a:pt x="892" y="0"/>
-                  <a:pt x="892" y="0"/>
-                </a:cubicBezTo>
-                <a:cubicBezTo>
-                  <a:pt x="786" y="0"/>
-                  <a:pt x="786" y="0"/>
-                  <a:pt x="786" y="0"/>
-                </a:cubicBezTo>
-                <a:cubicBezTo>
-                  <a:pt x="577" y="0"/>
-                  <a:pt x="577" y="0"/>
-                  <a:pt x="577" y="0"/>
-                </a:cubicBezTo>
-                <a:cubicBezTo>
-                  <a:pt x="562" y="0"/>
-                  <a:pt x="562" y="0"/>
-                  <a:pt x="562" y="0"/>
-                </a:cubicBezTo>
-                <a:cubicBezTo>
-                  <a:pt x="439" y="0"/>
-                  <a:pt x="439" y="0"/>
-                  <a:pt x="439" y="0"/>
-                </a:cubicBezTo>
-                <a:cubicBezTo>
-                  <a:pt x="106" y="0"/>
-                  <a:pt x="106" y="0"/>
-                  <a:pt x="106" y="0"/>
-                </a:cubicBezTo>
-                <a:cubicBezTo>
-                  <a:pt x="0" y="0"/>
-                  <a:pt x="0" y="0"/>
-                  <a:pt x="0" y="0"/>
-                </a:cubicBezTo>
-                <a:cubicBezTo>
-                  <a:pt x="0" y="163"/>
-                  <a:pt x="0" y="163"/>
-                  <a:pt x="0" y="163"/>
-                </a:cubicBezTo>
-                <a:cubicBezTo>
-                  <a:pt x="106" y="163"/>
-                  <a:pt x="106" y="163"/>
-                  <a:pt x="106" y="163"/>
-                </a:cubicBezTo>
-                <a:cubicBezTo>
-                  <a:pt x="439" y="163"/>
-                  <a:pt x="439" y="163"/>
-                  <a:pt x="439" y="163"/>
-                </a:cubicBezTo>
-                <a:cubicBezTo>
-                  <a:pt x="562" y="163"/>
-                  <a:pt x="562" y="163"/>
-                  <a:pt x="562" y="163"/>
-                </a:cubicBezTo>
-                <a:cubicBezTo>
-                  <a:pt x="577" y="163"/>
-                  <a:pt x="577" y="163"/>
-                  <a:pt x="577" y="163"/>
-                </a:cubicBezTo>
-                <a:cubicBezTo>
-                  <a:pt x="786" y="163"/>
-                  <a:pt x="786" y="163"/>
-                  <a:pt x="786" y="163"/>
-                </a:cubicBezTo>
-                <a:cubicBezTo>
-                  <a:pt x="892" y="163"/>
-                  <a:pt x="892" y="163"/>
-                  <a:pt x="892" y="163"/>
-                </a:cubicBezTo>
-                <a:cubicBezTo>
-                  <a:pt x="1033" y="163"/>
-                  <a:pt x="1033" y="163"/>
-                  <a:pt x="1033" y="163"/>
-                </a:cubicBezTo>
-                <a:cubicBezTo>
-                  <a:pt x="1225" y="163"/>
-                  <a:pt x="1225" y="163"/>
-                  <a:pt x="1225" y="163"/>
-                </a:cubicBezTo>
-                <a:cubicBezTo>
-                  <a:pt x="1348" y="163"/>
-                  <a:pt x="1348" y="163"/>
-                  <a:pt x="1348" y="163"/>
-                </a:cubicBezTo>
-                <a:cubicBezTo>
-                  <a:pt x="1363" y="163"/>
-                  <a:pt x="1363" y="163"/>
-                  <a:pt x="1363" y="163"/>
-                </a:cubicBezTo>
-                <a:cubicBezTo>
-                  <a:pt x="1819" y="163"/>
-                  <a:pt x="1819" y="163"/>
-                  <a:pt x="1819" y="163"/>
-                </a:cubicBezTo>
-                <a:cubicBezTo>
-                  <a:pt x="1821" y="163"/>
-                  <a:pt x="1823" y="162"/>
-                  <a:pt x="1825" y="161"/>
-                </a:cubicBezTo>
-                <a:cubicBezTo>
-                  <a:pt x="1825" y="160"/>
-                  <a:pt x="1825" y="160"/>
-                  <a:pt x="1826" y="160"/>
-                </a:cubicBezTo>
-                <a:cubicBezTo>
-                  <a:pt x="1900" y="86"/>
-                  <a:pt x="1900" y="86"/>
-                  <a:pt x="1900" y="86"/>
-                </a:cubicBezTo>
-                <a:cubicBezTo>
-                  <a:pt x="1902" y="83"/>
-                  <a:pt x="1902" y="79"/>
-                  <a:pt x="1900" y="77"/>
-                </a:cubicBezTo>
-                <a:close/>
-              </a:path>
-            </a:pathLst>
-          </a:custGeom>
-          <a:solidFill>
-            <a:schemeClr val="accent1"/>
-          </a:solidFill>
-          <a:ln>
-            <a:noFill/>
-          </a:ln>
-          <a:extLst/>
-        </p:spPr>
-        <p:txBody>
-          <a:bodyPr vert="horz" wrap="square" lIns="91440" tIns="45720" rIns="91440" bIns="45720" numCol="1" anchor="t" anchorCtr="0" compatLnSpc="1">
-            <a:prstTxWarp prst="textNoShape">
-              <a:avLst/>
-            </a:prstTxWarp>
-          </a:bodyPr>
-          <a:lstStyle/>
-          <a:p>
-            <a:endParaRPr lang="en-US"/>
-          </a:p>
-        </p:txBody>
-      </p:sp>
       <p:pic>
         <p:nvPicPr>
           <p:cNvPr id="4100" name="Picture 4" descr="Resultado de imagen de linux logo"/>
@@ -10717,34 +9804,34 @@
         <a:sysClr val="window" lastClr="FFFFFF"/>
       </a:lt1>
       <a:dk2>
-        <a:srgbClr val="2E5369"/>
+        <a:srgbClr val="766F54"/>
       </a:dk2>
       <a:lt2>
-        <a:srgbClr val="CFE2E7"/>
+        <a:srgbClr val="E3EACF"/>
       </a:lt2>
       <a:accent1>
-        <a:srgbClr val="353535"/>
+        <a:srgbClr val="A53010"/>
       </a:accent1>
       <a:accent2>
-        <a:srgbClr val="31B4E6"/>
+        <a:srgbClr val="DE7E18"/>
       </a:accent2>
       <a:accent3>
-        <a:srgbClr val="265991"/>
+        <a:srgbClr val="9F8351"/>
       </a:accent3>
       <a:accent4>
-        <a:srgbClr val="7E40CC"/>
+        <a:srgbClr val="728653"/>
       </a:accent4>
       <a:accent5>
-        <a:srgbClr val="B927E9"/>
+        <a:srgbClr val="92AA4C"/>
       </a:accent5>
       <a:accent6>
-        <a:srgbClr val="E833BF"/>
+        <a:srgbClr val="6AAC91"/>
       </a:accent6>
       <a:hlink>
-        <a:srgbClr val="2DA0F1"/>
+        <a:srgbClr val="FB4A18"/>
       </a:hlink>
       <a:folHlink>
-        <a:srgbClr val="7ED1E6"/>
+        <a:srgbClr val="FB9318"/>
       </a:folHlink>
     </a:clrScheme>
     <a:fontScheme name="Espiral">
@@ -10943,7 +10030,7 @@
   <a:extraClrSchemeLst/>
   <a:extLst>
     <a:ext uri="{05A4C25C-085E-4340-85A3-A5531E510DB2}">
-      <thm15:themeFamily xmlns:thm15="http://schemas.microsoft.com/office/thememl/2012/main" name="Wisp" id="{7CB32D59-10C0-40DD-B7BD-2E94284A981C}" vid="{4F34B87B-9C7A-41AE-A6CB-48536223DFFD}"/>
+      <thm15:themeFamily xmlns:thm15="http://schemas.microsoft.com/office/thememl/2012/main" name="Wisp" id="{7CB32D59-10C0-40DD-B7BD-2E94284A981C}" vid="{24B1A44C-C006-48B2-A4D7-E5549B3D8CD4}"/>
     </a:ext>
   </a:extLst>
 </a:theme>
